--- a/ppt/Git Для пользователей SVN.pptx
+++ b/ppt/Git Для пользователей SVN.pptx
@@ -237,6 +237,11 @@
       </a:defRPr>
     </a:lvl9pPr>
   </p:defaultTextStyle>
+  <p:extLst>
+    <p:ext uri="{EFAFB233-063F-42B5-8137-9DF3F51BA10A}">
+      <p15:sldGuideLst xmlns:p15="http://schemas.microsoft.com/office/powerpoint/2012/main"/>
+    </p:ext>
+  </p:extLst>
 </p:presentation>
 </file>
 
@@ -15760,8 +15765,8 @@
         </p:nvSpPr>
         <p:spPr>
           <a:xfrm>
-            <a:off x="878542" y="1721948"/>
-            <a:ext cx="4422588" cy="738664"/>
+            <a:off x="1115640" y="2470931"/>
+            <a:ext cx="4422588" cy="923330"/>
           </a:xfrm>
           <a:prstGeom prst="rect">
             <a:avLst/>
@@ -15775,22 +15780,22 @@
           <a:lstStyle/>
           <a:p>
             <a:r>
-              <a:rPr lang="en-US" dirty="0" smtClean="0"/>
+              <a:rPr lang="en-US" sz="1800" dirty="0" smtClean="0"/>
               <a:t>Amend commit</a:t>
             </a:r>
           </a:p>
           <a:p>
             <a:r>
-              <a:rPr lang="en-US" dirty="0" smtClean="0"/>
+              <a:rPr lang="en-US" sz="1800" dirty="0" smtClean="0"/>
               <a:t>Stash</a:t>
             </a:r>
           </a:p>
           <a:p>
             <a:r>
-              <a:rPr lang="en-US" dirty="0" smtClean="0"/>
+              <a:rPr lang="en-US" sz="1800" dirty="0" smtClean="0"/>
               <a:t>Cherry Pick</a:t>
             </a:r>
-            <a:endParaRPr lang="en-US" dirty="0"/>
+            <a:endParaRPr lang="en-US" sz="1800" dirty="0"/>
           </a:p>
         </p:txBody>
       </p:sp>
